--- a/Automated_Customer_Reviews.pptx
+++ b/Automated_Customer_Reviews.pptx
@@ -5,7 +5,7 @@
     <p:sldMasterId id="2147483686" r:id="rId1"/>
   </p:sldMasterIdLst>
   <p:notesMasterIdLst>
-    <p:notesMasterId r:id="rId19"/>
+    <p:notesMasterId r:id="rId20"/>
   </p:notesMasterIdLst>
   <p:sldIdLst>
     <p:sldId id="256" r:id="rId2"/>
@@ -18,13 +18,14 @@
     <p:sldId id="264" r:id="rId9"/>
     <p:sldId id="265" r:id="rId10"/>
     <p:sldId id="266" r:id="rId11"/>
-    <p:sldId id="279" r:id="rId12"/>
+    <p:sldId id="284" r:id="rId12"/>
     <p:sldId id="275" r:id="rId13"/>
-    <p:sldId id="270" r:id="rId14"/>
-    <p:sldId id="271" r:id="rId15"/>
-    <p:sldId id="272" r:id="rId16"/>
-    <p:sldId id="273" r:id="rId17"/>
-    <p:sldId id="277" r:id="rId18"/>
+    <p:sldId id="285" r:id="rId14"/>
+    <p:sldId id="270" r:id="rId15"/>
+    <p:sldId id="271" r:id="rId16"/>
+    <p:sldId id="272" r:id="rId17"/>
+    <p:sldId id="273" r:id="rId18"/>
+    <p:sldId id="277" r:id="rId19"/>
   </p:sldIdLst>
   <p:sldSz cx="12192000" cy="6858000"/>
   <p:notesSz cx="6858000" cy="9144000"/>
@@ -16946,7 +16947,7 @@
           <a:p>
             <a:fld id="{014FD421-2E3C-4DE0-8C12-DD7A3DAA6033}" type="datetimeFigureOut">
               <a:rPr lang="ar-SA" smtClean="0"/>
-              <a:t>16/10/46</a:t>
+              <a:t>18/10/46</a:t>
             </a:fld>
             <a:endParaRPr lang="ar-SA"/>
           </a:p>
@@ -17451,7 +17452,7 @@
           <a:p>
             <a:fld id="{D1D1EADE-8E88-4C7C-8AC5-FB148DE4940E}" type="datetime1">
               <a:rPr lang="en-US" smtClean="0"/>
-              <a:t>4/14/2025</a:t>
+              <a:t>4/16/2025</a:t>
             </a:fld>
             <a:endParaRPr lang="en-US"/>
           </a:p>
@@ -17651,7 +17652,7 @@
           <a:p>
             <a:fld id="{EC3C8B9C-477D-492A-96AD-1FC2CC997A73}" type="datetime1">
               <a:rPr lang="en-US" smtClean="0"/>
-              <a:t>4/14/2025</a:t>
+              <a:t>4/16/2025</a:t>
             </a:fld>
             <a:endParaRPr lang="en-US"/>
           </a:p>
@@ -17861,7 +17862,7 @@
           <a:p>
             <a:fld id="{42D3AED5-E26D-4E29-B1B3-7847B6779594}" type="datetime1">
               <a:rPr lang="en-US" smtClean="0"/>
-              <a:t>4/14/2025</a:t>
+              <a:t>4/16/2025</a:t>
             </a:fld>
             <a:endParaRPr lang="en-US"/>
           </a:p>
@@ -18061,7 +18062,7 @@
           <a:p>
             <a:fld id="{157B6794-849E-4626-908B-D15793550EFB}" type="datetime1">
               <a:rPr lang="en-US" smtClean="0"/>
-              <a:t>4/14/2025</a:t>
+              <a:t>4/16/2025</a:t>
             </a:fld>
             <a:endParaRPr lang="en-US"/>
           </a:p>
@@ -18337,7 +18338,7 @@
           <a:p>
             <a:fld id="{63DB64E7-5594-42A3-ADBF-E95A7ACEAD64}" type="datetime1">
               <a:rPr lang="en-US" smtClean="0"/>
-              <a:t>4/14/2025</a:t>
+              <a:t>4/16/2025</a:t>
             </a:fld>
             <a:endParaRPr lang="en-US"/>
           </a:p>
@@ -18610,7 +18611,7 @@
           <a:p>
             <a:fld id="{18462B0B-D248-4FFB-8695-AD7FA4B1284A}" type="datetime1">
               <a:rPr lang="en-US" smtClean="0"/>
-              <a:t>4/14/2025</a:t>
+              <a:t>4/16/2025</a:t>
             </a:fld>
             <a:endParaRPr lang="en-US"/>
           </a:p>
@@ -19033,7 +19034,7 @@
           <a:p>
             <a:fld id="{D0378EFB-9159-4510-B73F-4F0409ADE937}" type="datetime1">
               <a:rPr lang="en-US" smtClean="0"/>
-              <a:t>4/14/2025</a:t>
+              <a:t>4/16/2025</a:t>
             </a:fld>
             <a:endParaRPr lang="en-US"/>
           </a:p>
@@ -19175,7 +19176,7 @@
           <a:p>
             <a:fld id="{89BC9412-2452-4BED-A324-9D8C115361AD}" type="datetime1">
               <a:rPr lang="en-US" smtClean="0"/>
-              <a:t>4/14/2025</a:t>
+              <a:t>4/16/2025</a:t>
             </a:fld>
             <a:endParaRPr lang="en-US"/>
           </a:p>
@@ -19288,7 +19289,7 @@
           <a:p>
             <a:fld id="{F5318F62-D251-40E8-A23C-F4CFE9FEAB41}" type="datetime1">
               <a:rPr lang="en-US" smtClean="0"/>
-              <a:t>4/14/2025</a:t>
+              <a:t>4/16/2025</a:t>
             </a:fld>
             <a:endParaRPr lang="en-US"/>
           </a:p>
@@ -19601,7 +19602,7 @@
           <a:p>
             <a:fld id="{44F76144-149E-4874-93A5-554A0357CF82}" type="datetime1">
               <a:rPr lang="en-US" smtClean="0"/>
-              <a:t>4/14/2025</a:t>
+              <a:t>4/16/2025</a:t>
             </a:fld>
             <a:endParaRPr lang="en-US"/>
           </a:p>
@@ -19894,7 +19895,7 @@
           <a:p>
             <a:fld id="{50BA65D8-0540-4835-AE5C-25D29DBA01BE}" type="datetime1">
               <a:rPr lang="en-US" smtClean="0"/>
-              <a:t>4/14/2025</a:t>
+              <a:t>4/16/2025</a:t>
             </a:fld>
             <a:endParaRPr lang="en-US"/>
           </a:p>
@@ -20136,7 +20137,7 @@
           <a:p>
             <a:fld id="{E31BA835-12AC-4E8F-955A-EA3F4DE2791F}" type="datetime1">
               <a:rPr lang="en-US" smtClean="0"/>
-              <a:t>4/14/2025</a:t>
+              <a:t>4/16/2025</a:t>
             </a:fld>
             <a:endParaRPr lang="en-US"/>
           </a:p>
@@ -21203,7 +21204,13 @@
     </p:bg>
     <p:spTree>
       <p:nvGrpSpPr>
-        <p:cNvPr id="1" name=""/>
+        <p:cNvPr id="1" name="">
+          <a:extLst>
+            <a:ext uri="{FF2B5EF4-FFF2-40B4-BE49-F238E27FC236}">
+              <a16:creationId xmlns:a16="http://schemas.microsoft.com/office/drawing/2014/main" id="{20B59F2D-B85B-0729-89E7-5E9680744336}"/>
+            </a:ext>
+          </a:extLst>
+        </p:cNvPr>
         <p:cNvGrpSpPr/>
         <p:nvPr/>
       </p:nvGrpSpPr>
@@ -21217,7 +21224,7 @@
       </p:grpSpPr>
       <p:cxnSp>
         <p:nvCxnSpPr>
-          <p:cNvPr id="44" name="Straight Connector 43">
+          <p:cNvPr id="60" name="Straight Connector 59">
             <a:extLst>
               <a:ext uri="{FF2B5EF4-FFF2-40B4-BE49-F238E27FC236}">
                 <a16:creationId xmlns:a16="http://schemas.microsoft.com/office/drawing/2014/main" id="{F64F9B95-9045-48D2-B9F3-2927E98F54AA}"/>
@@ -21269,7 +21276,7 @@
       </p:cxnSp>
       <p:cxnSp>
         <p:nvCxnSpPr>
-          <p:cNvPr id="45" name="Straight Connector 44">
+          <p:cNvPr id="61" name="Straight Connector 60">
             <a:extLst>
               <a:ext uri="{FF2B5EF4-FFF2-40B4-BE49-F238E27FC236}">
                 <a16:creationId xmlns:a16="http://schemas.microsoft.com/office/drawing/2014/main" id="{085AA86F-6A4D-4BCB-A045-D992CDC2959B}"/>
@@ -21321,7 +21328,7 @@
       </p:cxnSp>
       <p:sp useBgFill="1">
         <p:nvSpPr>
-          <p:cNvPr id="46" name="Rectangle 45">
+          <p:cNvPr id="62" name="Rectangle 61">
             <a:extLst>
               <a:ext uri="{FF2B5EF4-FFF2-40B4-BE49-F238E27FC236}">
                 <a16:creationId xmlns:a16="http://schemas.microsoft.com/office/drawing/2014/main" id="{341BFA31-6544-45C2-9DA0-9E1C5E0B1959}"/>
@@ -21400,7 +21407,7 @@
           <p:cNvPr id="2" name="Title 1">
             <a:extLst>
               <a:ext uri="{FF2B5EF4-FFF2-40B4-BE49-F238E27FC236}">
-                <a16:creationId xmlns:a16="http://schemas.microsoft.com/office/drawing/2014/main" id="{94ACA40F-2E65-44E1-F56F-18E47E785ED6}"/>
+                <a16:creationId xmlns:a16="http://schemas.microsoft.com/office/drawing/2014/main" id="{F8A34257-C630-8ACE-A37E-B05A53DBB2C6}"/>
               </a:ext>
             </a:extLst>
           </p:cNvPr>
@@ -21432,7 +21439,7 @@
       </p:sp>
       <p:cxnSp>
         <p:nvCxnSpPr>
-          <p:cNvPr id="47" name="Straight Connector 46">
+          <p:cNvPr id="63" name="Straight Connector 62">
             <a:extLst>
               <a:ext uri="{FF2B5EF4-FFF2-40B4-BE49-F238E27FC236}">
                 <a16:creationId xmlns:a16="http://schemas.microsoft.com/office/drawing/2014/main" id="{DC36F877-5419-44C1-A2CD-376BDDDC3E41}"/>
@@ -21484,10 +21491,10 @@
       </p:cxnSp>
       <p:pic>
         <p:nvPicPr>
-          <p:cNvPr id="19" name="Picture 18">
+          <p:cNvPr id="8" name="Picture 7">
             <a:extLst>
               <a:ext uri="{FF2B5EF4-FFF2-40B4-BE49-F238E27FC236}">
-                <a16:creationId xmlns:a16="http://schemas.microsoft.com/office/drawing/2014/main" id="{8F7222E7-108A-E25B-078B-D748782CB771}"/>
+                <a16:creationId xmlns:a16="http://schemas.microsoft.com/office/drawing/2014/main" id="{313F18B6-3073-D3AB-1796-32A314B87BBB}"/>
               </a:ext>
             </a:extLst>
           </p:cNvPr>
@@ -21504,8 +21511,8 @@
         </p:blipFill>
         <p:spPr>
           <a:xfrm>
-            <a:off x="130398" y="2198984"/>
-            <a:ext cx="5992718" cy="3745448"/>
+            <a:off x="502418" y="2240782"/>
+            <a:ext cx="5683928" cy="3745455"/>
           </a:xfrm>
           <a:prstGeom prst="rect">
             <a:avLst/>
@@ -21514,10 +21521,10 @@
       </p:pic>
       <p:pic>
         <p:nvPicPr>
-          <p:cNvPr id="17" name="Content Placeholder 16" descr="A screen shot of a computer&#10;&#10;AI-generated content may be incorrect.">
+          <p:cNvPr id="6" name="Content Placeholder 5" descr="A black screen with white text&#10;&#10;AI-generated content may be incorrect.">
             <a:extLst>
               <a:ext uri="{FF2B5EF4-FFF2-40B4-BE49-F238E27FC236}">
-                <a16:creationId xmlns:a16="http://schemas.microsoft.com/office/drawing/2014/main" id="{C7C58D24-E909-B44F-98E0-85FD3B37EA96}"/>
+                <a16:creationId xmlns:a16="http://schemas.microsoft.com/office/drawing/2014/main" id="{BF67C31B-4A18-116B-B892-B0F6D85C3101}"/>
               </a:ext>
             </a:extLst>
           </p:cNvPr>
@@ -21542,8 +21549,8 @@
         </p:blipFill>
         <p:spPr>
           <a:xfrm>
-            <a:off x="6253514" y="3677698"/>
-            <a:ext cx="5862904" cy="1288870"/>
+            <a:off x="6253514" y="3195378"/>
+            <a:ext cx="5683928" cy="1630570"/>
           </a:xfrm>
           <a:prstGeom prst="rect">
             <a:avLst/>
@@ -21552,7 +21559,7 @@
       </p:pic>
       <p:cxnSp>
         <p:nvCxnSpPr>
-          <p:cNvPr id="43" name="Straight Connector 42">
+          <p:cNvPr id="64" name="Straight Connector 63">
             <a:extLst>
               <a:ext uri="{FF2B5EF4-FFF2-40B4-BE49-F238E27FC236}">
                 <a16:creationId xmlns:a16="http://schemas.microsoft.com/office/drawing/2014/main" id="{44B21692-652C-4371-95C5-05248EF342FA}"/>
@@ -21605,7 +21612,7 @@
     </p:spTree>
     <p:extLst>
       <p:ext uri="{BB962C8B-B14F-4D97-AF65-F5344CB8AC3E}">
-        <p14:creationId xmlns:p14="http://schemas.microsoft.com/office/powerpoint/2010/main" val="226279855"/>
+        <p14:creationId xmlns:p14="http://schemas.microsoft.com/office/powerpoint/2010/main" val="3775007261"/>
       </p:ext>
     </p:extLst>
   </p:cSld>
@@ -21909,6 +21916,100 @@
 </file>
 
 <file path=ppt/slides/slide13.xml><?xml version="1.0" encoding="utf-8"?>
+<p:sld xmlns:a="http://schemas.openxmlformats.org/drawingml/2006/main" xmlns:r="http://schemas.openxmlformats.org/officeDocument/2006/relationships" xmlns:p="http://schemas.openxmlformats.org/presentationml/2006/main">
+  <p:cSld>
+    <p:spTree>
+      <p:nvGrpSpPr>
+        <p:cNvPr id="1" name=""/>
+        <p:cNvGrpSpPr/>
+        <p:nvPr/>
+      </p:nvGrpSpPr>
+      <p:grpSpPr>
+        <a:xfrm>
+          <a:off x="0" y="0"/>
+          <a:ext cx="0" cy="0"/>
+          <a:chOff x="0" y="0"/>
+          <a:chExt cx="0" cy="0"/>
+        </a:xfrm>
+      </p:grpSpPr>
+      <p:sp>
+        <p:nvSpPr>
+          <p:cNvPr id="2" name="Title 1">
+            <a:extLst>
+              <a:ext uri="{FF2B5EF4-FFF2-40B4-BE49-F238E27FC236}">
+                <a16:creationId xmlns:a16="http://schemas.microsoft.com/office/drawing/2014/main" id="{F2E006BA-3B93-9E68-5AC3-FA78BAA1BA11}"/>
+              </a:ext>
+            </a:extLst>
+          </p:cNvPr>
+          <p:cNvSpPr>
+            <a:spLocks noGrp="1"/>
+          </p:cNvSpPr>
+          <p:nvPr>
+            <p:ph type="title"/>
+          </p:nvPr>
+        </p:nvSpPr>
+        <p:spPr/>
+        <p:txBody>
+          <a:bodyPr/>
+          <a:lstStyle/>
+          <a:p>
+            <a:r>
+              <a:rPr lang="en-US" sz="4000" b="1" dirty="0"/>
+              <a:t>Review Summarization</a:t>
+            </a:r>
+            <a:endParaRPr lang="ar-SA" dirty="0"/>
+          </a:p>
+        </p:txBody>
+      </p:sp>
+      <p:pic>
+        <p:nvPicPr>
+          <p:cNvPr id="5" name="Content Placeholder 4" descr="A screenshot of a computer&#10;&#10;AI-generated content may be incorrect.">
+            <a:extLst>
+              <a:ext uri="{FF2B5EF4-FFF2-40B4-BE49-F238E27FC236}">
+                <a16:creationId xmlns:a16="http://schemas.microsoft.com/office/drawing/2014/main" id="{428D4888-E3E2-1848-27FB-67B0C244ADA8}"/>
+              </a:ext>
+            </a:extLst>
+          </p:cNvPr>
+          <p:cNvPicPr>
+            <a:picLocks noGrp="1" noChangeAspect="1"/>
+          </p:cNvPicPr>
+          <p:nvPr>
+            <p:ph idx="1"/>
+          </p:nvPr>
+        </p:nvPicPr>
+        <p:blipFill>
+          <a:blip r:embed="rId2">
+            <a:extLst>
+              <a:ext uri="{28A0092B-C50C-407E-A947-70E740481C1C}">
+                <a14:useLocalDpi xmlns:a14="http://schemas.microsoft.com/office/drawing/2010/main" val="0"/>
+              </a:ext>
+            </a:extLst>
+          </a:blip>
+          <a:stretch>
+            <a:fillRect/>
+          </a:stretch>
+        </p:blipFill>
+        <p:spPr>
+          <a:xfrm>
+            <a:off x="700088" y="2938826"/>
+            <a:ext cx="10691812" cy="2307498"/>
+          </a:xfrm>
+        </p:spPr>
+      </p:pic>
+    </p:spTree>
+    <p:extLst>
+      <p:ext uri="{BB962C8B-B14F-4D97-AF65-F5344CB8AC3E}">
+        <p14:creationId xmlns:p14="http://schemas.microsoft.com/office/powerpoint/2010/main" val="3289930193"/>
+      </p:ext>
+    </p:extLst>
+  </p:cSld>
+  <p:clrMapOvr>
+    <a:masterClrMapping/>
+  </p:clrMapOvr>
+</p:sld>
+</file>
+
+<file path=ppt/slides/slide14.xml><?xml version="1.0" encoding="utf-8"?>
 <p:sld xmlns:a="http://schemas.openxmlformats.org/drawingml/2006/main" xmlns:r="http://schemas.openxmlformats.org/officeDocument/2006/relationships" xmlns:p="http://schemas.openxmlformats.org/presentationml/2006/main">
   <p:cSld>
     <p:bg>
@@ -22432,7 +22533,7 @@
 </p:sld>
 </file>
 
-<file path=ppt/slides/slide14.xml><?xml version="1.0" encoding="utf-8"?>
+<file path=ppt/slides/slide15.xml><?xml version="1.0" encoding="utf-8"?>
 <p:sld xmlns:a="http://schemas.openxmlformats.org/drawingml/2006/main" xmlns:r="http://schemas.openxmlformats.org/officeDocument/2006/relationships" xmlns:p="http://schemas.openxmlformats.org/presentationml/2006/main">
   <p:cSld>
     <p:bg>
@@ -22780,7 +22881,7 @@
 </p:sld>
 </file>
 
-<file path=ppt/slides/slide15.xml><?xml version="1.0" encoding="utf-8"?>
+<file path=ppt/slides/slide16.xml><?xml version="1.0" encoding="utf-8"?>
 <p:sld xmlns:a="http://schemas.openxmlformats.org/drawingml/2006/main" xmlns:r="http://schemas.openxmlformats.org/officeDocument/2006/relationships" xmlns:p="http://schemas.openxmlformats.org/presentationml/2006/main">
   <p:cSld>
     <p:bg>
@@ -23134,7 +23235,7 @@
 </p:sld>
 </file>
 
-<file path=ppt/slides/slide16.xml><?xml version="1.0" encoding="utf-8"?>
+<file path=ppt/slides/slide17.xml><?xml version="1.0" encoding="utf-8"?>
 <p:sld xmlns:a="http://schemas.openxmlformats.org/drawingml/2006/main" xmlns:r="http://schemas.openxmlformats.org/officeDocument/2006/relationships" xmlns:p="http://schemas.openxmlformats.org/presentationml/2006/main">
   <p:cSld>
     <p:bg>
@@ -23488,7 +23589,7 @@
 </p:sld>
 </file>
 
-<file path=ppt/slides/slide17.xml><?xml version="1.0" encoding="utf-8"?>
+<file path=ppt/slides/slide18.xml><?xml version="1.0" encoding="utf-8"?>
 <p:sld xmlns:a="http://schemas.openxmlformats.org/drawingml/2006/main" xmlns:r="http://schemas.openxmlformats.org/officeDocument/2006/relationships" xmlns:p="http://schemas.openxmlformats.org/presentationml/2006/main">
   <p:cSld>
     <p:bg>
